--- a/format-encodings/slide_presentations/.hidden/base64-encoding.pptx
+++ b/format-encodings/slide_presentations/.hidden/base64-encoding.pptx
@@ -850,7 +850,7 @@
         </p:nvSpPr>
         <p:spPr>
           <a:xfrm>
-            <a:off x="381300" y="685800"/>
+            <a:off x="381000" y="685800"/>
             <a:ext cx="6096000" cy="3429000"/>
           </a:xfrm>
           <a:custGeom>
@@ -1474,7 +1474,7 @@
         </p:nvSpPr>
         <p:spPr>
           <a:xfrm>
-            <a:off x="381300" y="685800"/>
+            <a:off x="381000" y="685800"/>
             <a:ext cx="6096000" cy="3429000"/>
           </a:xfrm>
           <a:custGeom>
@@ -6776,7 +6776,7 @@
         </p:spPr>
         <p:txBody>
           <a:bodyPr spcFirstLastPara="1" wrap="square" lIns="91425" tIns="91425" rIns="91425" bIns="91425" anchor="t" anchorCtr="0">
-            <a:normAutofit lnSpcReduction="10000"/>
+            <a:normAutofit fontScale="92500"/>
           </a:bodyPr>
           <a:lstStyle/>
           <a:p>
@@ -7121,7 +7121,7 @@
               <a:buNone/>
             </a:pPr>
             <a:r>
-              <a:rPr lang="en" u="sng">
+              <a:rPr lang="en" u="sng" dirty="0">
                 <a:solidFill>
                   <a:schemeClr val="hlink"/>
                 </a:solidFill>
@@ -7130,18 +7130,18 @@
               <a:t>Base64</a:t>
             </a:r>
             <a:r>
-              <a:rPr lang="en"/>
+              <a:rPr lang="en" dirty="0"/>
               <a:t>: </a:t>
             </a:r>
             <a:r>
-              <a:rPr lang="en" sz="1800">
+              <a:rPr lang="en" sz="1800" dirty="0">
                 <a:solidFill>
                   <a:schemeClr val="dk2"/>
                 </a:solidFill>
               </a:rPr>
               <a:t>a binary string is encoded as an ASCII string</a:t>
             </a:r>
-            <a:endParaRPr/>
+            <a:endParaRPr dirty="0"/>
           </a:p>
         </p:txBody>
       </p:sp>
@@ -19111,8 +19111,8 @@
         </p:nvSpPr>
         <p:spPr>
           <a:xfrm>
-            <a:off x="242574" y="1507725"/>
-            <a:ext cx="1383073" cy="384900"/>
+            <a:off x="169099" y="1507725"/>
+            <a:ext cx="1267774" cy="384900"/>
           </a:xfrm>
           <a:prstGeom prst="rect">
             <a:avLst/>
@@ -28937,6 +28937,168 @@
       </p:grpSpPr>
       <p:sp>
         <p:nvSpPr>
+          <p:cNvPr id="2" name="Rounded Rectangle 1">
+            <a:extLst>
+              <a:ext uri="{FF2B5EF4-FFF2-40B4-BE49-F238E27FC236}">
+                <a16:creationId xmlns:a16="http://schemas.microsoft.com/office/drawing/2014/main" id="{79583803-F779-CF16-4C08-C51CEF0116B3}"/>
+              </a:ext>
+            </a:extLst>
+          </p:cNvPr>
+          <p:cNvSpPr/>
+          <p:nvPr/>
+        </p:nvSpPr>
+        <p:spPr>
+          <a:xfrm>
+            <a:off x="6509500" y="3322864"/>
+            <a:ext cx="1524157" cy="481693"/>
+          </a:xfrm>
+          <a:prstGeom prst="roundRect">
+            <a:avLst/>
+          </a:prstGeom>
+          <a:pattFill prst="pct30">
+            <a:fgClr>
+              <a:srgbClr val="7030A0"/>
+            </a:fgClr>
+            <a:bgClr>
+              <a:schemeClr val="bg1"/>
+            </a:bgClr>
+          </a:pattFill>
+        </p:spPr>
+        <p:style>
+          <a:lnRef idx="2">
+            <a:schemeClr val="accent1">
+              <a:shade val="50000"/>
+            </a:schemeClr>
+          </a:lnRef>
+          <a:fillRef idx="1">
+            <a:schemeClr val="accent1"/>
+          </a:fillRef>
+          <a:effectRef idx="0">
+            <a:schemeClr val="accent1"/>
+          </a:effectRef>
+          <a:fontRef idx="minor">
+            <a:schemeClr val="lt1"/>
+          </a:fontRef>
+        </p:style>
+        <p:txBody>
+          <a:bodyPr rtlCol="0" anchor="ctr"/>
+          <a:lstStyle/>
+          <a:p>
+            <a:pPr algn="ctr"/>
+            <a:endParaRPr lang="en-US" dirty="0"/>
+          </a:p>
+        </p:txBody>
+      </p:sp>
+      <p:sp>
+        <p:nvSpPr>
+          <p:cNvPr id="3" name="Rounded Rectangle 2">
+            <a:extLst>
+              <a:ext uri="{FF2B5EF4-FFF2-40B4-BE49-F238E27FC236}">
+                <a16:creationId xmlns:a16="http://schemas.microsoft.com/office/drawing/2014/main" id="{8B9277A7-970C-C8D0-CBB6-B4A027624112}"/>
+              </a:ext>
+            </a:extLst>
+          </p:cNvPr>
+          <p:cNvSpPr/>
+          <p:nvPr/>
+        </p:nvSpPr>
+        <p:spPr>
+          <a:xfrm>
+            <a:off x="4950593" y="4383237"/>
+            <a:ext cx="1524157" cy="481693"/>
+          </a:xfrm>
+          <a:prstGeom prst="roundRect">
+            <a:avLst/>
+          </a:prstGeom>
+          <a:pattFill prst="pct30">
+            <a:fgClr>
+              <a:srgbClr val="7030A0"/>
+            </a:fgClr>
+            <a:bgClr>
+              <a:schemeClr val="bg1"/>
+            </a:bgClr>
+          </a:pattFill>
+        </p:spPr>
+        <p:style>
+          <a:lnRef idx="2">
+            <a:schemeClr val="accent1">
+              <a:shade val="50000"/>
+            </a:schemeClr>
+          </a:lnRef>
+          <a:fillRef idx="1">
+            <a:schemeClr val="accent1"/>
+          </a:fillRef>
+          <a:effectRef idx="0">
+            <a:schemeClr val="accent1"/>
+          </a:effectRef>
+          <a:fontRef idx="minor">
+            <a:schemeClr val="lt1"/>
+          </a:fontRef>
+        </p:style>
+        <p:txBody>
+          <a:bodyPr rtlCol="0" anchor="ctr"/>
+          <a:lstStyle/>
+          <a:p>
+            <a:pPr algn="ctr"/>
+            <a:endParaRPr lang="en-US" dirty="0"/>
+          </a:p>
+        </p:txBody>
+      </p:sp>
+      <p:sp>
+        <p:nvSpPr>
+          <p:cNvPr id="4" name="Rounded Rectangle 3">
+            <a:extLst>
+              <a:ext uri="{FF2B5EF4-FFF2-40B4-BE49-F238E27FC236}">
+                <a16:creationId xmlns:a16="http://schemas.microsoft.com/office/drawing/2014/main" id="{A6B5860D-2E3C-8A5A-5F50-1BE13EFDC8E8}"/>
+              </a:ext>
+            </a:extLst>
+          </p:cNvPr>
+          <p:cNvSpPr/>
+          <p:nvPr/>
+        </p:nvSpPr>
+        <p:spPr>
+          <a:xfrm>
+            <a:off x="6509500" y="4383236"/>
+            <a:ext cx="1524157" cy="481693"/>
+          </a:xfrm>
+          <a:prstGeom prst="roundRect">
+            <a:avLst/>
+          </a:prstGeom>
+          <a:pattFill prst="pct30">
+            <a:fgClr>
+              <a:srgbClr val="7030A0"/>
+            </a:fgClr>
+            <a:bgClr>
+              <a:schemeClr val="bg1"/>
+            </a:bgClr>
+          </a:pattFill>
+        </p:spPr>
+        <p:style>
+          <a:lnRef idx="2">
+            <a:schemeClr val="accent1">
+              <a:shade val="50000"/>
+            </a:schemeClr>
+          </a:lnRef>
+          <a:fillRef idx="1">
+            <a:schemeClr val="accent1"/>
+          </a:fillRef>
+          <a:effectRef idx="0">
+            <a:schemeClr val="accent1"/>
+          </a:effectRef>
+          <a:fontRef idx="minor">
+            <a:schemeClr val="lt1"/>
+          </a:fontRef>
+        </p:style>
+        <p:txBody>
+          <a:bodyPr rtlCol="0" anchor="ctr"/>
+          <a:lstStyle/>
+          <a:p>
+            <a:pPr algn="ctr"/>
+            <a:endParaRPr lang="en-US" dirty="0"/>
+          </a:p>
+        </p:txBody>
+      </p:sp>
+      <p:sp>
+        <p:nvSpPr>
           <p:cNvPr id="145" name="Google Shape;145;p20"/>
           <p:cNvSpPr txBox="1">
             <a:spLocks noGrp="1"/>
@@ -28971,10 +29133,10 @@
               <a:buChar char="●"/>
             </a:pPr>
             <a:r>
-              <a:rPr lang="en"/>
+              <a:rPr lang="en" dirty="0"/>
               <a:t>What if the size of the input is not divisible by 24 		# lcm(6,8)</a:t>
             </a:r>
-            <a:endParaRPr/>
+            <a:endParaRPr dirty="0"/>
           </a:p>
           <a:p>
             <a:pPr marL="914400" lvl="1" indent="-304165" algn="l" rtl="0">
@@ -28988,10 +29150,10 @@
               <a:buChar char="○"/>
             </a:pPr>
             <a:r>
-              <a:rPr lang="en"/>
+              <a:rPr lang="en" dirty="0"/>
               <a:t>You need to pad appropriate number of values to the right</a:t>
             </a:r>
-            <a:endParaRPr/>
+            <a:endParaRPr dirty="0"/>
           </a:p>
           <a:p>
             <a:pPr marL="457200" lvl="0" indent="-325755" algn="l" rtl="0">
@@ -29005,10 +29167,10 @@
               <a:buChar char="●"/>
             </a:pPr>
             <a:r>
-              <a:rPr lang="en"/>
+              <a:rPr lang="en" dirty="0"/>
               <a:t>Remaining 3 bytes:</a:t>
             </a:r>
-            <a:endParaRPr/>
+            <a:endParaRPr dirty="0"/>
           </a:p>
           <a:p>
             <a:pPr marL="914400" lvl="1" indent="-304165" algn="l" rtl="0">
@@ -29022,10 +29184,10 @@
               <a:buChar char="○"/>
             </a:pPr>
             <a:r>
-              <a:rPr lang="en"/>
+              <a:rPr lang="en" dirty="0"/>
               <a:t>output 4 base64 characters</a:t>
             </a:r>
-            <a:endParaRPr/>
+            <a:endParaRPr dirty="0"/>
           </a:p>
           <a:p>
             <a:pPr marL="914400" lvl="1" indent="-304165" algn="l" rtl="0">
@@ -29039,19 +29201,19 @@
               <a:buChar char="○"/>
             </a:pPr>
             <a:r>
-              <a:rPr lang="en"/>
+              <a:rPr lang="en" dirty="0"/>
               <a:t>output 0 padding character (=)</a:t>
             </a:r>
             <a:br>
-              <a:rPr lang="en"/>
+              <a:rPr lang="en" dirty="0"/>
             </a:br>
             <a:br>
-              <a:rPr lang="en"/>
+              <a:rPr lang="en" dirty="0"/>
             </a:br>
             <a:br>
-              <a:rPr lang="en"/>
+              <a:rPr lang="en" dirty="0"/>
             </a:br>
-            <a:endParaRPr/>
+            <a:endParaRPr dirty="0"/>
           </a:p>
           <a:p>
             <a:pPr marL="457200" lvl="0" indent="-325755" algn="l" rtl="0">
@@ -29065,10 +29227,10 @@
               <a:buChar char="●"/>
             </a:pPr>
             <a:r>
-              <a:rPr lang="en"/>
+              <a:rPr lang="en" dirty="0"/>
               <a:t>Remaining 2 bytes:</a:t>
             </a:r>
-            <a:endParaRPr/>
+            <a:endParaRPr dirty="0"/>
           </a:p>
           <a:p>
             <a:pPr marL="914400" lvl="1" indent="-304165" algn="l" rtl="0">
@@ -29082,10 +29244,10 @@
               <a:buChar char="○"/>
             </a:pPr>
             <a:r>
-              <a:rPr lang="en"/>
+              <a:rPr lang="en" dirty="0"/>
               <a:t>output 3 base64 characters (with two zeros as fillers)</a:t>
             </a:r>
-            <a:endParaRPr/>
+            <a:endParaRPr dirty="0"/>
           </a:p>
           <a:p>
             <a:pPr marL="914400" lvl="1" indent="-304165" algn="l" rtl="0">
@@ -29099,19 +29261,19 @@
               <a:buChar char="○"/>
             </a:pPr>
             <a:r>
-              <a:rPr lang="en"/>
+              <a:rPr lang="en" dirty="0"/>
               <a:t>output 1 padding character (=)</a:t>
             </a:r>
             <a:br>
-              <a:rPr lang="en"/>
+              <a:rPr lang="en" dirty="0"/>
             </a:br>
             <a:br>
-              <a:rPr lang="en"/>
+              <a:rPr lang="en" dirty="0"/>
             </a:br>
             <a:br>
-              <a:rPr lang="en"/>
+              <a:rPr lang="en" dirty="0"/>
             </a:br>
-            <a:endParaRPr/>
+            <a:endParaRPr dirty="0"/>
           </a:p>
           <a:p>
             <a:pPr marL="457200" lvl="0" indent="-325755" algn="l" rtl="0">
@@ -29125,10 +29287,10 @@
               <a:buChar char="●"/>
             </a:pPr>
             <a:r>
-              <a:rPr lang="en"/>
+              <a:rPr lang="en" dirty="0"/>
               <a:t>Remaining 1 byte:</a:t>
             </a:r>
-            <a:endParaRPr/>
+            <a:endParaRPr dirty="0"/>
           </a:p>
           <a:p>
             <a:pPr marL="914400" lvl="1" indent="-304165" algn="l" rtl="0">
@@ -29142,10 +29304,10 @@
               <a:buChar char="○"/>
             </a:pPr>
             <a:r>
-              <a:rPr lang="en"/>
+              <a:rPr lang="en" dirty="0"/>
               <a:t>output 2 base64 characters (with four zeros as fillers)</a:t>
             </a:r>
-            <a:endParaRPr/>
+            <a:endParaRPr dirty="0"/>
           </a:p>
           <a:p>
             <a:pPr marL="914400" lvl="1" indent="-304165" algn="l" rtl="0">
@@ -29159,10 +29321,10 @@
               <a:buChar char="○"/>
             </a:pPr>
             <a:r>
-              <a:rPr lang="en"/>
+              <a:rPr lang="en" dirty="0"/>
               <a:t>output 2 padding characters (=)</a:t>
             </a:r>
-            <a:endParaRPr/>
+            <a:endParaRPr dirty="0"/>
           </a:p>
         </p:txBody>
       </p:sp>
@@ -32096,10 +32258,10 @@
               <a:buNone/>
             </a:pPr>
             <a:r>
-              <a:rPr lang="en"/>
-              <a:t>?</a:t>
+              <a:rPr lang="en" dirty="0"/>
+              <a:t>0</a:t>
             </a:r>
-            <a:endParaRPr/>
+            <a:endParaRPr dirty="0"/>
           </a:p>
         </p:txBody>
       </p:sp>
@@ -32146,10 +32308,10 @@
               <a:buNone/>
             </a:pPr>
             <a:r>
-              <a:rPr lang="en"/>
-              <a:t>?</a:t>
+              <a:rPr lang="en" dirty="0"/>
+              <a:t>0</a:t>
             </a:r>
-            <a:endParaRPr/>
+            <a:endParaRPr dirty="0"/>
           </a:p>
         </p:txBody>
       </p:sp>
@@ -32196,10 +32358,10 @@
               <a:buNone/>
             </a:pPr>
             <a:r>
-              <a:rPr lang="en"/>
-              <a:t>?</a:t>
+              <a:rPr lang="en" dirty="0"/>
+              <a:t>0</a:t>
             </a:r>
-            <a:endParaRPr/>
+            <a:endParaRPr dirty="0"/>
           </a:p>
         </p:txBody>
       </p:sp>
@@ -32246,10 +32408,10 @@
               <a:buNone/>
             </a:pPr>
             <a:r>
-              <a:rPr lang="en"/>
-              <a:t>?</a:t>
+              <a:rPr lang="en" dirty="0"/>
+              <a:t>0</a:t>
             </a:r>
-            <a:endParaRPr/>
+            <a:endParaRPr dirty="0"/>
           </a:p>
         </p:txBody>
       </p:sp>

--- a/format-encodings/slide_presentations/.hidden/base64-encoding.pptx
+++ b/format-encodings/slide_presentations/.hidden/base64-encoding.pptx
@@ -746,7 +746,7 @@
         </p:nvSpPr>
         <p:spPr>
           <a:xfrm>
-            <a:off x="381300" y="685800"/>
+            <a:off x="381000" y="685800"/>
             <a:ext cx="6096000" cy="3429000"/>
           </a:xfrm>
           <a:custGeom>
@@ -6581,8 +6581,8 @@
         </p:nvSpPr>
         <p:spPr>
           <a:xfrm>
-            <a:off x="4911500" y="2531700"/>
-            <a:ext cx="2283900" cy="384900"/>
+            <a:off x="4911499" y="2531700"/>
+            <a:ext cx="2779085" cy="384900"/>
           </a:xfrm>
           <a:prstGeom prst="rect">
             <a:avLst/>
@@ -6625,15 +6625,16 @@
         <p:nvCxnSpPr>
           <p:cNvPr id="57" name="Google Shape;57;p13"/>
           <p:cNvCxnSpPr>
+            <a:cxnSpLocks/>
             <a:stCxn id="56" idx="1"/>
             <a:endCxn id="58" idx="0"/>
           </p:cNvCxnSpPr>
           <p:nvPr/>
         </p:nvCxnSpPr>
         <p:spPr>
-          <a:xfrm flipH="1">
-            <a:off x="2973200" y="2724150"/>
-            <a:ext cx="1938300" cy="265200"/>
+          <a:xfrm rot="10800000" flipV="1">
+            <a:off x="2973275" y="2724150"/>
+            <a:ext cx="1938224" cy="265300"/>
           </a:xfrm>
           <a:prstGeom prst="curvedConnector2">
             <a:avLst/>
@@ -6791,10 +6792,10 @@
               <a:buChar char="●"/>
             </a:pPr>
             <a:r>
-              <a:rPr lang="en"/>
+              <a:rPr lang="en" dirty="0"/>
               <a:t>What is the content of a text file?</a:t>
             </a:r>
-            <a:endParaRPr/>
+            <a:endParaRPr dirty="0"/>
           </a:p>
           <a:p>
             <a:pPr marL="914400" lvl="1" indent="-317500" algn="l" rtl="0">
@@ -6808,10 +6809,14 @@
               <a:buChar char="○"/>
             </a:pPr>
             <a:r>
-              <a:rPr lang="en"/>
-              <a:t>cat mytext.file</a:t>
+              <a:rPr lang="en" dirty="0"/>
+              <a:t>cat </a:t>
             </a:r>
-            <a:endParaRPr/>
+            <a:r>
+              <a:rPr lang="en" dirty="0" err="1"/>
+              <a:t>mytext.file</a:t>
+            </a:r>
+            <a:endParaRPr dirty="0"/>
           </a:p>
           <a:p>
             <a:pPr marL="914400" lvl="1" indent="-317500" algn="l" rtl="0">
@@ -6825,10 +6830,14 @@
               <a:buChar char="○"/>
             </a:pPr>
             <a:r>
-              <a:rPr lang="en"/>
-              <a:t>echo 101100101 &gt; ascii_digits.txt</a:t>
+              <a:rPr lang="en" dirty="0"/>
+              <a:t>echo 101100101 &gt; </a:t>
             </a:r>
-            <a:endParaRPr/>
+            <a:r>
+              <a:rPr lang="en" dirty="0" err="1"/>
+              <a:t>ascii_digits.txt</a:t>
+            </a:r>
+            <a:endParaRPr dirty="0"/>
           </a:p>
           <a:p>
             <a:pPr marL="457200" lvl="0" indent="-342900" algn="l" rtl="0">
@@ -6842,10 +6851,10 @@
               <a:buChar char="●"/>
             </a:pPr>
             <a:r>
-              <a:rPr lang="en"/>
+              <a:rPr lang="en" dirty="0"/>
               <a:t>What is the content of an executable?</a:t>
             </a:r>
-            <a:endParaRPr/>
+            <a:endParaRPr dirty="0"/>
           </a:p>
           <a:p>
             <a:pPr marL="914400" lvl="1" indent="-317500" algn="l" rtl="0">
@@ -6859,10 +6868,10 @@
               <a:buChar char="○"/>
             </a:pPr>
             <a:r>
-              <a:rPr lang="en"/>
+              <a:rPr lang="en" dirty="0"/>
               <a:t>consider the unprintable characters</a:t>
             </a:r>
-            <a:endParaRPr/>
+            <a:endParaRPr dirty="0"/>
           </a:p>
           <a:p>
             <a:pPr marL="457200" lvl="0" indent="-342900" algn="l" rtl="0">
@@ -6876,10 +6885,10 @@
               <a:buChar char="●"/>
             </a:pPr>
             <a:r>
-              <a:rPr lang="en"/>
+              <a:rPr lang="en" dirty="0"/>
               <a:t>What is the content of a picture?</a:t>
             </a:r>
-            <a:endParaRPr/>
+            <a:endParaRPr dirty="0"/>
           </a:p>
           <a:p>
             <a:pPr marL="914400" lvl="1" indent="-317500" algn="l" rtl="0">
@@ -6893,16 +6902,16 @@
               <a:buChar char="○"/>
             </a:pPr>
             <a:r>
-              <a:rPr lang="en"/>
+              <a:rPr lang="en" dirty="0"/>
               <a:t>drag and drop a picture</a:t>
             </a:r>
             <a:br>
-              <a:rPr lang="en"/>
+              <a:rPr lang="en" dirty="0"/>
             </a:br>
             <a:br>
-              <a:rPr lang="en"/>
+              <a:rPr lang="en" dirty="0"/>
             </a:br>
-            <a:endParaRPr/>
+            <a:endParaRPr dirty="0"/>
           </a:p>
           <a:p>
             <a:pPr marL="457200" lvl="0" indent="-342900" algn="l" rtl="0">
@@ -6916,10 +6925,10 @@
               <a:buChar char="●"/>
             </a:pPr>
             <a:r>
-              <a:rPr lang="en"/>
+              <a:rPr lang="en" dirty="0"/>
               <a:t>What is the content of data?   		Individual bits group in bytes</a:t>
             </a:r>
-            <a:endParaRPr/>
+            <a:endParaRPr dirty="0"/>
           </a:p>
           <a:p>
             <a:pPr marL="457200" lvl="0" indent="-342900" algn="l" rtl="0">
@@ -6933,10 +6942,10 @@
               <a:buChar char="●"/>
             </a:pPr>
             <a:r>
-              <a:rPr lang="en"/>
-              <a:t>How can we interpret this data?	Any way we want!</a:t>
+              <a:rPr lang="en" dirty="0"/>
+              <a:t>How can we interpret this data?		Any way we want!</a:t>
             </a:r>
-            <a:endParaRPr/>
+            <a:endParaRPr dirty="0"/>
           </a:p>
           <a:p>
             <a:pPr marL="457200" lvl="0" indent="-342900" algn="l" rtl="0">
@@ -6950,10 +6959,10 @@
               <a:buChar char="●"/>
             </a:pPr>
             <a:r>
-              <a:rPr lang="en"/>
+              <a:rPr lang="en" dirty="0"/>
               <a:t>How should we interpret this data?	Based upon an agreed upon scheme!</a:t>
             </a:r>
-            <a:endParaRPr/>
+            <a:endParaRPr dirty="0"/>
           </a:p>
         </p:txBody>
       </p:sp>
@@ -28344,7 +28353,7 @@
               <a:buChar char="●"/>
             </a:pPr>
             <a:r>
-              <a:rPr lang="en" sz="1600" u="sng">
+              <a:rPr lang="en" sz="1600" u="sng" dirty="0">
                 <a:solidFill>
                   <a:schemeClr val="hlink"/>
                 </a:solidFill>
@@ -28352,7 +28361,7 @@
               </a:rPr>
               <a:t>Base64 Mapping Table</a:t>
             </a:r>
-            <a:endParaRPr sz="1600"/>
+            <a:endParaRPr sz="1600" dirty="0"/>
           </a:p>
           <a:p>
             <a:pPr marL="457200" lvl="0" indent="-330200" algn="l" rtl="0">
@@ -28366,10 +28375,10 @@
               <a:buChar char="●"/>
             </a:pPr>
             <a:r>
-              <a:rPr lang="en" sz="1600"/>
+              <a:rPr lang="en" sz="1600" dirty="0"/>
               <a:t>Two approaches to mapping: </a:t>
             </a:r>
-            <a:endParaRPr sz="1600"/>
+            <a:endParaRPr sz="1600" dirty="0"/>
           </a:p>
           <a:p>
             <a:pPr marL="914400" lvl="1" indent="-317500" algn="l" rtl="0">
@@ -28383,10 +28392,10 @@
               <a:buChar char="○"/>
             </a:pPr>
             <a:r>
-              <a:rPr lang="en" sz="1400"/>
+              <a:rPr lang="en" sz="1400" dirty="0"/>
               <a:t>Perform a table lookup </a:t>
             </a:r>
-            <a:endParaRPr sz="1400"/>
+            <a:endParaRPr sz="1400" dirty="0"/>
           </a:p>
           <a:p>
             <a:pPr marL="914400" lvl="1" indent="-317500" algn="l" rtl="0">
@@ -28400,10 +28409,10 @@
               <a:buChar char="○"/>
             </a:pPr>
             <a:r>
-              <a:rPr lang="en" sz="1400"/>
+              <a:rPr lang="en" sz="1400" dirty="0"/>
               <a:t>Compute the value </a:t>
             </a:r>
-            <a:endParaRPr sz="1400"/>
+            <a:endParaRPr sz="1400" dirty="0"/>
           </a:p>
           <a:p>
             <a:pPr marL="1371600" lvl="2" indent="-317500" algn="l" rtl="0">
@@ -28417,10 +28426,10 @@
               <a:buChar char="■"/>
             </a:pPr>
             <a:r>
-              <a:rPr lang="en" sz="1400"/>
+              <a:rPr lang="en" sz="1400" dirty="0"/>
               <a:t>via the following switch statement</a:t>
             </a:r>
-            <a:endParaRPr sz="1400"/>
+            <a:endParaRPr sz="1400" dirty="0"/>
           </a:p>
           <a:p>
             <a:pPr marL="457200" lvl="0" indent="-317500" algn="l" rtl="0">
@@ -28434,10 +28443,10 @@
               <a:buChar char="●"/>
             </a:pPr>
             <a:r>
-              <a:rPr lang="en"/>
+              <a:rPr lang="en" dirty="0"/>
               <a:t>The computed indices are:</a:t>
             </a:r>
-            <a:endParaRPr/>
+            <a:endParaRPr dirty="0"/>
           </a:p>
           <a:p>
             <a:pPr marL="914400" lvl="1" indent="-304800" algn="l" rtl="0">
@@ -28454,7 +28463,7 @@
               <a:buChar char="○"/>
             </a:pPr>
             <a:r>
-              <a:rPr lang="en" sz="1300">
+              <a:rPr lang="en" sz="1300" dirty="0">
                 <a:solidFill>
                   <a:schemeClr val="dk1"/>
                 </a:solidFill>
@@ -28465,7 +28474,7 @@
               </a:rPr>
               <a:t>s1 = 0x3E (62)</a:t>
             </a:r>
-            <a:endParaRPr sz="1300">
+            <a:endParaRPr sz="1300" dirty="0">
               <a:solidFill>
                 <a:schemeClr val="dk1"/>
               </a:solidFill>
@@ -28490,7 +28499,7 @@
               <a:buChar char="○"/>
             </a:pPr>
             <a:r>
-              <a:rPr lang="en" sz="1300">
+              <a:rPr lang="en" sz="1300" dirty="0">
                 <a:solidFill>
                   <a:schemeClr val="dk1"/>
                 </a:solidFill>
@@ -28501,7 +28510,7 @@
               </a:rPr>
               <a:t>s2 = 0x2C (44)</a:t>
             </a:r>
-            <a:endParaRPr sz="1300">
+            <a:endParaRPr sz="1300" dirty="0">
               <a:solidFill>
                 <a:schemeClr val="dk1"/>
               </a:solidFill>
@@ -28526,7 +28535,7 @@
               <a:buChar char="○"/>
             </a:pPr>
             <a:r>
-              <a:rPr lang="en" sz="1300">
+              <a:rPr lang="en" sz="1300" dirty="0">
                 <a:solidFill>
                   <a:schemeClr val="dk1"/>
                 </a:solidFill>
@@ -28537,7 +28546,7 @@
               </a:rPr>
               <a:t>s3 = 0x2B (43)</a:t>
             </a:r>
-            <a:endParaRPr sz="1300">
+            <a:endParaRPr sz="1300" dirty="0">
               <a:solidFill>
                 <a:schemeClr val="dk1"/>
               </a:solidFill>
@@ -28562,7 +28571,7 @@
               <a:buChar char="○"/>
             </a:pPr>
             <a:r>
-              <a:rPr lang="en" sz="1300">
+              <a:rPr lang="en" sz="1300" dirty="0">
                 <a:solidFill>
                   <a:schemeClr val="dk1"/>
                 </a:solidFill>
@@ -28573,7 +28582,7 @@
               </a:rPr>
               <a:t>s4 = 0x1E (30)</a:t>
             </a:r>
-            <a:endParaRPr/>
+            <a:endParaRPr dirty="0"/>
           </a:p>
           <a:p>
             <a:pPr marL="457200" lvl="0" indent="-317500" algn="l" rtl="0">
@@ -28587,10 +28596,10 @@
               <a:buChar char="●"/>
             </a:pPr>
             <a:r>
-              <a:rPr lang="en"/>
+              <a:rPr lang="en" dirty="0"/>
               <a:t>The mapped characters are:</a:t>
             </a:r>
-            <a:endParaRPr/>
+            <a:endParaRPr dirty="0"/>
           </a:p>
           <a:p>
             <a:pPr marL="914400" lvl="1" indent="-304800" algn="l" rtl="0">
@@ -28604,10 +28613,10 @@
               <a:buChar char="○"/>
             </a:pPr>
             <a:r>
-              <a:rPr lang="en"/>
+              <a:rPr lang="en" dirty="0"/>
               <a:t>'+' 	(0x2B)</a:t>
             </a:r>
-            <a:endParaRPr/>
+            <a:endParaRPr dirty="0"/>
           </a:p>
           <a:p>
             <a:pPr marL="914400" lvl="1" indent="-304800" algn="l" rtl="0">
@@ -28621,10 +28630,10 @@
               <a:buChar char="○"/>
             </a:pPr>
             <a:r>
-              <a:rPr lang="en"/>
+              <a:rPr lang="en" dirty="0"/>
               <a:t>'s' 	(0x73)</a:t>
             </a:r>
-            <a:endParaRPr/>
+            <a:endParaRPr dirty="0"/>
           </a:p>
           <a:p>
             <a:pPr marL="914400" lvl="1" indent="-304800" algn="l" rtl="0">
@@ -28638,10 +28647,10 @@
               <a:buChar char="○"/>
             </a:pPr>
             <a:r>
-              <a:rPr lang="en"/>
+              <a:rPr lang="en" dirty="0"/>
               <a:t>'r'	(0x72)</a:t>
             </a:r>
-            <a:endParaRPr/>
+            <a:endParaRPr dirty="0"/>
           </a:p>
           <a:p>
             <a:pPr marL="914400" lvl="1" indent="-304800" algn="l" rtl="0">
@@ -28655,10 +28664,10 @@
               <a:buChar char="○"/>
             </a:pPr>
             <a:r>
-              <a:rPr lang="en"/>
+              <a:rPr lang="en" dirty="0"/>
               <a:t>'e' 	(0x65)</a:t>
             </a:r>
-            <a:endParaRPr/>
+            <a:endParaRPr dirty="0"/>
           </a:p>
         </p:txBody>
       </p:sp>

--- a/format-encodings/slide_presentations/.hidden/base64-encoding.pptx
+++ b/format-encodings/slide_presentations/.hidden/base64-encoding.pptx
@@ -28958,7 +28958,7 @@
         </p:nvSpPr>
         <p:spPr>
           <a:xfrm>
-            <a:off x="6509500" y="3322864"/>
+            <a:off x="6509500" y="3281674"/>
             <a:ext cx="1524157" cy="481693"/>
           </a:xfrm>
           <a:prstGeom prst="roundRect">
@@ -29012,7 +29012,7 @@
         </p:nvSpPr>
         <p:spPr>
           <a:xfrm>
-            <a:off x="4950593" y="4383237"/>
+            <a:off x="4950593" y="4284381"/>
             <a:ext cx="1524157" cy="481693"/>
           </a:xfrm>
           <a:prstGeom prst="roundRect">
@@ -29066,7 +29066,7 @@
         </p:nvSpPr>
         <p:spPr>
           <a:xfrm>
-            <a:off x="6509500" y="4383236"/>
+            <a:off x="6509500" y="4284380"/>
             <a:ext cx="1524157" cy="481693"/>
           </a:xfrm>
           <a:prstGeom prst="roundRect">
@@ -29127,7 +29127,7 @@
         </p:spPr>
         <p:txBody>
           <a:bodyPr spcFirstLastPara="1" wrap="square" lIns="91425" tIns="91425" rIns="91425" bIns="91425" anchor="t" anchorCtr="0">
-            <a:normAutofit fontScale="85000" lnSpcReduction="20000"/>
+            <a:normAutofit fontScale="77500" lnSpcReduction="20000"/>
           </a:bodyPr>
           <a:lstStyle/>
           <a:p>
@@ -29143,41 +29143,7 @@
             </a:pPr>
             <a:r>
               <a:rPr lang="en" dirty="0"/>
-              <a:t>What if the size of the input is not divisible by 24 		# lcm(6,8)</a:t>
-            </a:r>
-            <a:endParaRPr dirty="0"/>
-          </a:p>
-          <a:p>
-            <a:pPr marL="914400" lvl="1" indent="-304165" algn="l" rtl="0">
-              <a:spcBef>
-                <a:spcPts val="0"/>
-              </a:spcBef>
-              <a:spcAft>
-                <a:spcPts val="0"/>
-              </a:spcAft>
-              <a:buSzPct val="100000"/>
-              <a:buChar char="○"/>
-            </a:pPr>
-            <a:r>
-              <a:rPr lang="en" dirty="0"/>
-              <a:t>You need to pad appropriate number of values to the right</a:t>
-            </a:r>
-            <a:endParaRPr dirty="0"/>
-          </a:p>
-          <a:p>
-            <a:pPr marL="457200" lvl="0" indent="-325755" algn="l" rtl="0">
-              <a:spcBef>
-                <a:spcPts val="0"/>
-              </a:spcBef>
-              <a:spcAft>
-                <a:spcPts val="0"/>
-              </a:spcAft>
-              <a:buSzPct val="100000"/>
-              <a:buChar char="●"/>
-            </a:pPr>
-            <a:r>
-              <a:rPr lang="en" dirty="0"/>
-              <a:t>Remaining 3 bytes:</a:t>
+              <a:t>Last 3 bytes:</a:t>
             </a:r>
             <a:endParaRPr dirty="0"/>
           </a:p>
@@ -29222,6 +29188,42 @@
             <a:br>
               <a:rPr lang="en" dirty="0"/>
             </a:br>
+            <a:endParaRPr lang="en" dirty="0"/>
+          </a:p>
+          <a:p>
+            <a:pPr marL="457200" lvl="0" indent="-325755" algn="l" rtl="0">
+              <a:spcBef>
+                <a:spcPts val="0"/>
+              </a:spcBef>
+              <a:spcAft>
+                <a:spcPts val="0"/>
+              </a:spcAft>
+              <a:buSzPct val="100000"/>
+              <a:buChar char="●"/>
+            </a:pPr>
+            <a:r>
+              <a:rPr lang="en-US" dirty="0"/>
+              <a:t>What if the size of the input is not divisible by 24 		# lcm(6,8) == 24</a:t>
+            </a:r>
+          </a:p>
+          <a:p>
+            <a:pPr marL="914400" lvl="1" indent="-304165" algn="l" rtl="0">
+              <a:spcBef>
+                <a:spcPts val="0"/>
+              </a:spcBef>
+              <a:spcAft>
+                <a:spcPts val="0"/>
+              </a:spcAft>
+              <a:buSzPct val="100000"/>
+              <a:buChar char="○"/>
+            </a:pPr>
+            <a:r>
+              <a:rPr lang="en-US" dirty="0"/>
+              <a:t>You need to pad appropriate number of values to the right</a:t>
+            </a:r>
+            <a:br>
+              <a:rPr lang="en-US" dirty="0"/>
+            </a:br>
             <a:endParaRPr dirty="0"/>
           </a:p>
           <a:p>
@@ -29237,7 +29239,7 @@
             </a:pPr>
             <a:r>
               <a:rPr lang="en" dirty="0"/>
-              <a:t>Remaining 2 bytes:</a:t>
+              <a:t>Last 2 bytes:</a:t>
             </a:r>
             <a:endParaRPr dirty="0"/>
           </a:p>
@@ -29297,7 +29299,7 @@
             </a:pPr>
             <a:r>
               <a:rPr lang="en" dirty="0"/>
-              <a:t>Remaining 1 byte:</a:t>
+              <a:t>Last 1 byte:</a:t>
             </a:r>
             <a:endParaRPr dirty="0"/>
           </a:p>
@@ -29345,7 +29347,7 @@
         </p:nvGrpSpPr>
         <p:grpSpPr>
           <a:xfrm>
-            <a:off x="1884700" y="2310875"/>
+            <a:off x="1884700" y="1849547"/>
             <a:ext cx="1889850" cy="275400"/>
             <a:chOff x="3645600" y="491225"/>
             <a:chExt cx="1889850" cy="275400"/>
@@ -29760,7 +29762,7 @@
         </p:nvSpPr>
         <p:spPr>
           <a:xfrm>
-            <a:off x="3957850" y="2310875"/>
+            <a:off x="3957850" y="1849547"/>
             <a:ext cx="231300" cy="275400"/>
           </a:xfrm>
           <a:prstGeom prst="rect">
@@ -29810,7 +29812,7 @@
         </p:nvSpPr>
         <p:spPr>
           <a:xfrm>
-            <a:off x="4189150" y="2310875"/>
+            <a:off x="4189150" y="1849547"/>
             <a:ext cx="231300" cy="275400"/>
           </a:xfrm>
           <a:prstGeom prst="rect">
@@ -29860,7 +29862,7 @@
         </p:nvSpPr>
         <p:spPr>
           <a:xfrm>
-            <a:off x="4420450" y="2310875"/>
+            <a:off x="4420450" y="1849547"/>
             <a:ext cx="231300" cy="275400"/>
           </a:xfrm>
           <a:prstGeom prst="rect">
@@ -29910,7 +29912,7 @@
         </p:nvSpPr>
         <p:spPr>
           <a:xfrm>
-            <a:off x="4651750" y="2310875"/>
+            <a:off x="4651750" y="1849547"/>
             <a:ext cx="231300" cy="275400"/>
           </a:xfrm>
           <a:prstGeom prst="rect">
@@ -29960,7 +29962,7 @@
         </p:nvSpPr>
         <p:spPr>
           <a:xfrm>
-            <a:off x="4922500" y="2310875"/>
+            <a:off x="4922500" y="1849547"/>
             <a:ext cx="231300" cy="275400"/>
           </a:xfrm>
           <a:prstGeom prst="rect">
@@ -30010,7 +30012,7 @@
         </p:nvSpPr>
         <p:spPr>
           <a:xfrm>
-            <a:off x="5153800" y="2310875"/>
+            <a:off x="5153800" y="1849547"/>
             <a:ext cx="231300" cy="275400"/>
           </a:xfrm>
           <a:prstGeom prst="rect">
@@ -30060,7 +30062,7 @@
         </p:nvSpPr>
         <p:spPr>
           <a:xfrm>
-            <a:off x="5385100" y="2310875"/>
+            <a:off x="5385100" y="1849547"/>
             <a:ext cx="231300" cy="275400"/>
           </a:xfrm>
           <a:prstGeom prst="rect">
@@ -30110,7 +30112,7 @@
         </p:nvSpPr>
         <p:spPr>
           <a:xfrm>
-            <a:off x="5616400" y="2310875"/>
+            <a:off x="5616400" y="1849547"/>
             <a:ext cx="231300" cy="275400"/>
           </a:xfrm>
           <a:prstGeom prst="rect">
@@ -30160,7 +30162,7 @@
         </p:nvSpPr>
         <p:spPr>
           <a:xfrm>
-            <a:off x="6046900" y="2310875"/>
+            <a:off x="6046900" y="1849547"/>
             <a:ext cx="231300" cy="275400"/>
           </a:xfrm>
           <a:prstGeom prst="rect">
@@ -30210,7 +30212,7 @@
         </p:nvSpPr>
         <p:spPr>
           <a:xfrm>
-            <a:off x="6278200" y="2310875"/>
+            <a:off x="6278200" y="1849547"/>
             <a:ext cx="231300" cy="275400"/>
           </a:xfrm>
           <a:prstGeom prst="rect">
@@ -30260,7 +30262,7 @@
         </p:nvSpPr>
         <p:spPr>
           <a:xfrm>
-            <a:off x="6509500" y="2310875"/>
+            <a:off x="6509500" y="1849547"/>
             <a:ext cx="231300" cy="275400"/>
           </a:xfrm>
           <a:prstGeom prst="rect">
@@ -30310,7 +30312,7 @@
         </p:nvSpPr>
         <p:spPr>
           <a:xfrm>
-            <a:off x="6740800" y="2310875"/>
+            <a:off x="6740800" y="1849547"/>
             <a:ext cx="231300" cy="275400"/>
           </a:xfrm>
           <a:prstGeom prst="rect">
@@ -30360,7 +30362,7 @@
         </p:nvSpPr>
         <p:spPr>
           <a:xfrm>
-            <a:off x="7011550" y="2310875"/>
+            <a:off x="7011550" y="1849547"/>
             <a:ext cx="231300" cy="275400"/>
           </a:xfrm>
           <a:prstGeom prst="rect">
@@ -30410,7 +30412,7 @@
         </p:nvSpPr>
         <p:spPr>
           <a:xfrm>
-            <a:off x="7242850" y="2310875"/>
+            <a:off x="7242850" y="1849547"/>
             <a:ext cx="231300" cy="275400"/>
           </a:xfrm>
           <a:prstGeom prst="rect">
@@ -30460,7 +30462,7 @@
         </p:nvSpPr>
         <p:spPr>
           <a:xfrm>
-            <a:off x="7474150" y="2310875"/>
+            <a:off x="7474150" y="1849547"/>
             <a:ext cx="231300" cy="275400"/>
           </a:xfrm>
           <a:prstGeom prst="rect">
@@ -30510,7 +30512,7 @@
         </p:nvSpPr>
         <p:spPr>
           <a:xfrm>
-            <a:off x="7705450" y="2310875"/>
+            <a:off x="7705450" y="1849547"/>
             <a:ext cx="231300" cy="275400"/>
           </a:xfrm>
           <a:prstGeom prst="rect">
@@ -30587,10 +30589,10 @@
               <a:buNone/>
             </a:pPr>
             <a:r>
-              <a:rPr lang="en"/>
+              <a:rPr lang="en" dirty="0"/>
               <a:t>End of File Considerations:</a:t>
             </a:r>
-            <a:endParaRPr/>
+            <a:endParaRPr dirty="0"/>
           </a:p>
         </p:txBody>
       </p:sp>
@@ -30602,7 +30604,7 @@
         </p:nvGrpSpPr>
         <p:grpSpPr>
           <a:xfrm>
-            <a:off x="1884700" y="3418740"/>
+            <a:off x="1884700" y="3377550"/>
             <a:ext cx="1889850" cy="275400"/>
             <a:chOff x="3645600" y="491225"/>
             <a:chExt cx="1889850" cy="275400"/>
@@ -31017,7 +31019,7 @@
         </p:nvSpPr>
         <p:spPr>
           <a:xfrm>
-            <a:off x="3957850" y="3418740"/>
+            <a:off x="3957850" y="3377550"/>
             <a:ext cx="231300" cy="275400"/>
           </a:xfrm>
           <a:prstGeom prst="rect">
@@ -31067,7 +31069,7 @@
         </p:nvSpPr>
         <p:spPr>
           <a:xfrm>
-            <a:off x="4189150" y="3418740"/>
+            <a:off x="4189150" y="3377550"/>
             <a:ext cx="231300" cy="275400"/>
           </a:xfrm>
           <a:prstGeom prst="rect">
@@ -31117,7 +31119,7 @@
         </p:nvSpPr>
         <p:spPr>
           <a:xfrm>
-            <a:off x="4420450" y="3418740"/>
+            <a:off x="4420450" y="3377550"/>
             <a:ext cx="231300" cy="275400"/>
           </a:xfrm>
           <a:prstGeom prst="rect">
@@ -31167,7 +31169,7 @@
         </p:nvSpPr>
         <p:spPr>
           <a:xfrm>
-            <a:off x="4651750" y="3418740"/>
+            <a:off x="4651750" y="3377550"/>
             <a:ext cx="231300" cy="275400"/>
           </a:xfrm>
           <a:prstGeom prst="rect">
@@ -31217,7 +31219,7 @@
         </p:nvSpPr>
         <p:spPr>
           <a:xfrm>
-            <a:off x="4922500" y="3418740"/>
+            <a:off x="4922500" y="3377550"/>
             <a:ext cx="231300" cy="275400"/>
           </a:xfrm>
           <a:prstGeom prst="rect">
@@ -31267,7 +31269,7 @@
         </p:nvSpPr>
         <p:spPr>
           <a:xfrm>
-            <a:off x="5153800" y="3418740"/>
+            <a:off x="5153800" y="3377550"/>
             <a:ext cx="231300" cy="275400"/>
           </a:xfrm>
           <a:prstGeom prst="rect">
@@ -31317,7 +31319,7 @@
         </p:nvSpPr>
         <p:spPr>
           <a:xfrm>
-            <a:off x="5385100" y="3418740"/>
+            <a:off x="5385100" y="3377550"/>
             <a:ext cx="231300" cy="275400"/>
           </a:xfrm>
           <a:prstGeom prst="rect">
@@ -31367,7 +31369,7 @@
         </p:nvSpPr>
         <p:spPr>
           <a:xfrm>
-            <a:off x="5616400" y="3418740"/>
+            <a:off x="5616400" y="3377550"/>
             <a:ext cx="231300" cy="275400"/>
           </a:xfrm>
           <a:prstGeom prst="rect">
@@ -31417,7 +31419,7 @@
         </p:nvSpPr>
         <p:spPr>
           <a:xfrm>
-            <a:off x="6046900" y="3418740"/>
+            <a:off x="6046900" y="3377550"/>
             <a:ext cx="231300" cy="275400"/>
           </a:xfrm>
           <a:prstGeom prst="rect">
@@ -31467,7 +31469,7 @@
         </p:nvSpPr>
         <p:spPr>
           <a:xfrm>
-            <a:off x="6278200" y="3418740"/>
+            <a:off x="6278200" y="3377550"/>
             <a:ext cx="231300" cy="275400"/>
           </a:xfrm>
           <a:prstGeom prst="rect">
@@ -31517,7 +31519,7 @@
         </p:nvSpPr>
         <p:spPr>
           <a:xfrm>
-            <a:off x="6509500" y="3418740"/>
+            <a:off x="6509500" y="3377550"/>
             <a:ext cx="231300" cy="275400"/>
           </a:xfrm>
           <a:prstGeom prst="rect">
@@ -31567,7 +31569,7 @@
         </p:nvSpPr>
         <p:spPr>
           <a:xfrm>
-            <a:off x="6740800" y="3418740"/>
+            <a:off x="6740800" y="3377550"/>
             <a:ext cx="231300" cy="275400"/>
           </a:xfrm>
           <a:prstGeom prst="rect">
@@ -31617,7 +31619,7 @@
         </p:nvSpPr>
         <p:spPr>
           <a:xfrm>
-            <a:off x="7011550" y="3418740"/>
+            <a:off x="7011550" y="3377550"/>
             <a:ext cx="231300" cy="275400"/>
           </a:xfrm>
           <a:prstGeom prst="rect">
@@ -31667,7 +31669,7 @@
         </p:nvSpPr>
         <p:spPr>
           <a:xfrm>
-            <a:off x="7242850" y="3418740"/>
+            <a:off x="7242850" y="3377550"/>
             <a:ext cx="231300" cy="275400"/>
           </a:xfrm>
           <a:prstGeom prst="rect">
@@ -31717,7 +31719,7 @@
         </p:nvSpPr>
         <p:spPr>
           <a:xfrm>
-            <a:off x="7474150" y="3418740"/>
+            <a:off x="7474150" y="3377550"/>
             <a:ext cx="231300" cy="275400"/>
           </a:xfrm>
           <a:prstGeom prst="rect">
@@ -31767,7 +31769,7 @@
         </p:nvSpPr>
         <p:spPr>
           <a:xfrm>
-            <a:off x="7705450" y="3418740"/>
+            <a:off x="7705450" y="3377550"/>
             <a:ext cx="231300" cy="275400"/>
           </a:xfrm>
           <a:prstGeom prst="rect">
@@ -31817,7 +31819,7 @@
         </p:nvGrpSpPr>
         <p:grpSpPr>
           <a:xfrm>
-            <a:off x="1884700" y="4471785"/>
+            <a:off x="1884700" y="4372929"/>
             <a:ext cx="1889850" cy="275400"/>
             <a:chOff x="3645600" y="491225"/>
             <a:chExt cx="1889850" cy="275400"/>
@@ -32232,7 +32234,7 @@
         </p:nvSpPr>
         <p:spPr>
           <a:xfrm>
-            <a:off x="3957850" y="4471785"/>
+            <a:off x="3957850" y="4372929"/>
             <a:ext cx="231300" cy="275400"/>
           </a:xfrm>
           <a:prstGeom prst="rect">
@@ -32282,7 +32284,7 @@
         </p:nvSpPr>
         <p:spPr>
           <a:xfrm>
-            <a:off x="4189150" y="4471785"/>
+            <a:off x="4189150" y="4372929"/>
             <a:ext cx="231300" cy="275400"/>
           </a:xfrm>
           <a:prstGeom prst="rect">
@@ -32332,7 +32334,7 @@
         </p:nvSpPr>
         <p:spPr>
           <a:xfrm>
-            <a:off x="4420450" y="4471785"/>
+            <a:off x="4420450" y="4372929"/>
             <a:ext cx="231300" cy="275400"/>
           </a:xfrm>
           <a:prstGeom prst="rect">
@@ -32382,7 +32384,7 @@
         </p:nvSpPr>
         <p:spPr>
           <a:xfrm>
-            <a:off x="4651750" y="4471785"/>
+            <a:off x="4651750" y="4372929"/>
             <a:ext cx="231300" cy="275400"/>
           </a:xfrm>
           <a:prstGeom prst="rect">
@@ -32432,7 +32434,7 @@
         </p:nvSpPr>
         <p:spPr>
           <a:xfrm>
-            <a:off x="4922500" y="4471785"/>
+            <a:off x="4922500" y="4372929"/>
             <a:ext cx="231300" cy="275400"/>
           </a:xfrm>
           <a:prstGeom prst="rect">
@@ -32482,7 +32484,7 @@
         </p:nvSpPr>
         <p:spPr>
           <a:xfrm>
-            <a:off x="5153800" y="4471785"/>
+            <a:off x="5153800" y="4372929"/>
             <a:ext cx="231300" cy="275400"/>
           </a:xfrm>
           <a:prstGeom prst="rect">
@@ -32532,7 +32534,7 @@
         </p:nvSpPr>
         <p:spPr>
           <a:xfrm>
-            <a:off x="5385100" y="4471785"/>
+            <a:off x="5385100" y="4372929"/>
             <a:ext cx="231300" cy="275400"/>
           </a:xfrm>
           <a:prstGeom prst="rect">
@@ -32582,7 +32584,7 @@
         </p:nvSpPr>
         <p:spPr>
           <a:xfrm>
-            <a:off x="5616400" y="4471785"/>
+            <a:off x="5616400" y="4372929"/>
             <a:ext cx="231300" cy="275400"/>
           </a:xfrm>
           <a:prstGeom prst="rect">
@@ -32632,7 +32634,7 @@
         </p:nvSpPr>
         <p:spPr>
           <a:xfrm>
-            <a:off x="6046900" y="4471785"/>
+            <a:off x="6046900" y="4372929"/>
             <a:ext cx="231300" cy="275400"/>
           </a:xfrm>
           <a:prstGeom prst="rect">
@@ -32682,7 +32684,7 @@
         </p:nvSpPr>
         <p:spPr>
           <a:xfrm>
-            <a:off x="6278200" y="4471785"/>
+            <a:off x="6278200" y="4372929"/>
             <a:ext cx="231300" cy="275400"/>
           </a:xfrm>
           <a:prstGeom prst="rect">
@@ -32732,7 +32734,7 @@
         </p:nvSpPr>
         <p:spPr>
           <a:xfrm>
-            <a:off x="6509500" y="4471785"/>
+            <a:off x="6509500" y="4372929"/>
             <a:ext cx="231300" cy="275400"/>
           </a:xfrm>
           <a:prstGeom prst="rect">
@@ -32782,7 +32784,7 @@
         </p:nvSpPr>
         <p:spPr>
           <a:xfrm>
-            <a:off x="6740800" y="4471785"/>
+            <a:off x="6740800" y="4372929"/>
             <a:ext cx="231300" cy="275400"/>
           </a:xfrm>
           <a:prstGeom prst="rect">
@@ -32832,7 +32834,7 @@
         </p:nvSpPr>
         <p:spPr>
           <a:xfrm>
-            <a:off x="7011550" y="4471785"/>
+            <a:off x="7011550" y="4372929"/>
             <a:ext cx="231300" cy="275400"/>
           </a:xfrm>
           <a:prstGeom prst="rect">
@@ -32882,7 +32884,7 @@
         </p:nvSpPr>
         <p:spPr>
           <a:xfrm>
-            <a:off x="7242850" y="4471785"/>
+            <a:off x="7242850" y="4372929"/>
             <a:ext cx="231300" cy="275400"/>
           </a:xfrm>
           <a:prstGeom prst="rect">
@@ -32932,7 +32934,7 @@
         </p:nvSpPr>
         <p:spPr>
           <a:xfrm>
-            <a:off x="7474150" y="4471785"/>
+            <a:off x="7474150" y="4372929"/>
             <a:ext cx="231300" cy="275400"/>
           </a:xfrm>
           <a:prstGeom prst="rect">
@@ -32982,7 +32984,7 @@
         </p:nvSpPr>
         <p:spPr>
           <a:xfrm>
-            <a:off x="7705450" y="4471785"/>
+            <a:off x="7705450" y="4372929"/>
             <a:ext cx="231300" cy="275400"/>
           </a:xfrm>
           <a:prstGeom prst="rect">
@@ -33032,7 +33034,7 @@
         </p:nvCxnSpPr>
         <p:spPr>
           <a:xfrm rot="10800000">
-            <a:off x="6393550" y="3680790"/>
+            <a:off x="6393550" y="3639600"/>
             <a:ext cx="600" cy="195300"/>
           </a:xfrm>
           <a:prstGeom prst="straightConnector1">
@@ -33058,7 +33060,7 @@
         </p:nvCxnSpPr>
         <p:spPr>
           <a:xfrm rot="10800000">
-            <a:off x="6161850" y="3680790"/>
+            <a:off x="6161850" y="3639600"/>
             <a:ext cx="600" cy="195300"/>
           </a:xfrm>
           <a:prstGeom prst="straightConnector1">
@@ -33084,7 +33086,7 @@
         </p:nvCxnSpPr>
         <p:spPr>
           <a:xfrm rot="10800000">
-            <a:off x="4336150" y="4747590"/>
+            <a:off x="4336150" y="4648734"/>
             <a:ext cx="600" cy="195300"/>
           </a:xfrm>
           <a:prstGeom prst="straightConnector1">
@@ -33110,7 +33112,7 @@
         </p:nvCxnSpPr>
         <p:spPr>
           <a:xfrm rot="10800000">
-            <a:off x="4104450" y="4747590"/>
+            <a:off x="4104450" y="4648734"/>
             <a:ext cx="600" cy="195300"/>
           </a:xfrm>
           <a:prstGeom prst="straightConnector1">
@@ -33136,7 +33138,7 @@
         </p:nvCxnSpPr>
         <p:spPr>
           <a:xfrm rot="10800000">
-            <a:off x="4793350" y="4747590"/>
+            <a:off x="4793350" y="4648734"/>
             <a:ext cx="600" cy="195300"/>
           </a:xfrm>
           <a:prstGeom prst="straightConnector1">
@@ -33162,7 +33164,7 @@
         </p:nvCxnSpPr>
         <p:spPr>
           <a:xfrm rot="10800000">
-            <a:off x="4561650" y="4747590"/>
+            <a:off x="4561650" y="4648734"/>
             <a:ext cx="600" cy="195300"/>
           </a:xfrm>
           <a:prstGeom prst="straightConnector1">
